--- a/Policy Endorsement PPT--FINAL.pptx
+++ b/Policy Endorsement PPT--FINAL.pptx
@@ -5,7 +5,7 @@
     <p:sldMasterId id="2147483660" r:id="rId1"/>
   </p:sldMasterIdLst>
   <p:notesMasterIdLst>
-    <p:notesMasterId r:id="rId26"/>
+    <p:notesMasterId r:id="rId27"/>
   </p:notesMasterIdLst>
   <p:sldIdLst>
     <p:sldId id="256" r:id="rId2"/>
@@ -25,13 +25,14 @@
     <p:sldId id="277" r:id="rId16"/>
     <p:sldId id="275" r:id="rId17"/>
     <p:sldId id="278" r:id="rId18"/>
-    <p:sldId id="279" r:id="rId19"/>
-    <p:sldId id="280" r:id="rId20"/>
-    <p:sldId id="281" r:id="rId21"/>
-    <p:sldId id="282" r:id="rId22"/>
-    <p:sldId id="283" r:id="rId23"/>
-    <p:sldId id="274" r:id="rId24"/>
-    <p:sldId id="268" r:id="rId25"/>
+    <p:sldId id="284" r:id="rId19"/>
+    <p:sldId id="279" r:id="rId20"/>
+    <p:sldId id="280" r:id="rId21"/>
+    <p:sldId id="281" r:id="rId22"/>
+    <p:sldId id="282" r:id="rId23"/>
+    <p:sldId id="283" r:id="rId24"/>
+    <p:sldId id="274" r:id="rId25"/>
+    <p:sldId id="268" r:id="rId26"/>
   </p:sldIdLst>
   <p:sldSz cx="12192000" cy="6858000"/>
   <p:notesSz cx="6858000" cy="9144000"/>
@@ -630,7 +631,7 @@
           <p:cNvPr id="3" name="Graphic 2">
             <a:extLst>
               <a:ext uri="{FF2B5EF4-FFF2-40B4-BE49-F238E27FC236}">
-                <a16:creationId xmlns:a16="http://schemas.microsoft.com/office/drawing/2014/main" xmlns="" id="{02DEF159-660E-4893-A63C-7C2BB5EEB9A1}"/>
+                <a16:creationId xmlns="" xmlns:a16="http://schemas.microsoft.com/office/drawing/2014/main" id="{02DEF159-660E-4893-A63C-7C2BB5EEB9A1}"/>
               </a:ext>
             </a:extLst>
           </p:cNvPr>
@@ -643,7 +644,7 @@
           <a:blip r:embed="rId2">
             <a:extLst>
               <a:ext uri="{96DAC541-7B7A-43D3-8B79-37D633B846F1}">
-                <asvg:svgBlip xmlns:asvg="http://schemas.microsoft.com/office/drawing/2016/SVG/main" xmlns="" r:embed="rId3"/>
+                <asvg:svgBlip xmlns="" xmlns:asvg="http://schemas.microsoft.com/office/drawing/2016/SVG/main" r:embed="rId3"/>
               </a:ext>
             </a:extLst>
           </a:blip>
@@ -665,7 +666,7 @@
           <p:cNvPr id="7" name="Text Placeholder 13">
             <a:extLst>
               <a:ext uri="{FF2B5EF4-FFF2-40B4-BE49-F238E27FC236}">
-                <a16:creationId xmlns:a16="http://schemas.microsoft.com/office/drawing/2014/main" xmlns="" id="{5C674D03-4995-4743-8CE4-61CF32CFBDDE}"/>
+                <a16:creationId xmlns="" xmlns:a16="http://schemas.microsoft.com/office/drawing/2014/main" id="{5C674D03-4995-4743-8CE4-61CF32CFBDDE}"/>
               </a:ext>
             </a:extLst>
           </p:cNvPr>
@@ -725,7 +726,7 @@
           <p:cNvPr id="5" name="Graphic 9">
             <a:extLst>
               <a:ext uri="{FF2B5EF4-FFF2-40B4-BE49-F238E27FC236}">
-                <a16:creationId xmlns:a16="http://schemas.microsoft.com/office/drawing/2014/main" xmlns="" id="{C3D2EC56-D17C-4A75-8178-C69397BC7353}"/>
+                <a16:creationId xmlns="" xmlns:a16="http://schemas.microsoft.com/office/drawing/2014/main" id="{C3D2EC56-D17C-4A75-8178-C69397BC7353}"/>
               </a:ext>
             </a:extLst>
           </p:cNvPr>
@@ -738,7 +739,7 @@
           <a:blip r:embed="rId4">
             <a:extLst>
               <a:ext uri="{96DAC541-7B7A-43D3-8B79-37D633B846F1}">
-                <asvg:svgBlip xmlns:asvg="http://schemas.microsoft.com/office/drawing/2016/SVG/main" xmlns="" r:embed="rId5"/>
+                <asvg:svgBlip xmlns="" xmlns:asvg="http://schemas.microsoft.com/office/drawing/2016/SVG/main" r:embed="rId5"/>
               </a:ext>
             </a:extLst>
           </a:blip>
@@ -1255,7 +1256,7 @@
           <p:cNvPr id="8" name="Title Placeholder 1">
             <a:extLst>
               <a:ext uri="{FF2B5EF4-FFF2-40B4-BE49-F238E27FC236}">
-                <a16:creationId xmlns:a16="http://schemas.microsoft.com/office/drawing/2014/main" xmlns="" id="{366C6B93-5A4F-43B7-84C4-C42EC870AB53}"/>
+                <a16:creationId xmlns="" xmlns:a16="http://schemas.microsoft.com/office/drawing/2014/main" id="{366C6B93-5A4F-43B7-84C4-C42EC870AB53}"/>
               </a:ext>
             </a:extLst>
           </p:cNvPr>
@@ -1299,7 +1300,7 @@
           <p:cNvPr id="9" name="Text Placeholder 2">
             <a:extLst>
               <a:ext uri="{FF2B5EF4-FFF2-40B4-BE49-F238E27FC236}">
-                <a16:creationId xmlns:a16="http://schemas.microsoft.com/office/drawing/2014/main" xmlns="" id="{AF310831-D03E-404B-934F-73B268225B7E}"/>
+                <a16:creationId xmlns="" xmlns:a16="http://schemas.microsoft.com/office/drawing/2014/main" id="{AF310831-D03E-404B-934F-73B268225B7E}"/>
               </a:ext>
             </a:extLst>
           </p:cNvPr>
@@ -1360,7 +1361,7 @@
           <p:cNvPr id="5" name="Graphic 4">
             <a:extLst>
               <a:ext uri="{FF2B5EF4-FFF2-40B4-BE49-F238E27FC236}">
-                <a16:creationId xmlns:a16="http://schemas.microsoft.com/office/drawing/2014/main" xmlns="" id="{25EEA1D4-3AF7-42D7-AE97-AE404AECFAEB}"/>
+                <a16:creationId xmlns="" xmlns:a16="http://schemas.microsoft.com/office/drawing/2014/main" id="{25EEA1D4-3AF7-42D7-AE97-AE404AECFAEB}"/>
               </a:ext>
             </a:extLst>
           </p:cNvPr>
@@ -1373,7 +1374,7 @@
           <a:blip r:embed="rId5">
             <a:extLst>
               <a:ext uri="{96DAC541-7B7A-43D3-8B79-37D633B846F1}">
-                <asvg:svgBlip xmlns:asvg="http://schemas.microsoft.com/office/drawing/2016/SVG/main" xmlns="" r:embed="rId7"/>
+                <asvg:svgBlip xmlns="" xmlns:asvg="http://schemas.microsoft.com/office/drawing/2016/SVG/main" r:embed="rId7"/>
               </a:ext>
             </a:extLst>
           </a:blip>
@@ -2074,8 +2075,16 @@
           <a:lstStyle/>
           <a:p>
             <a:r>
+              <a:rPr lang="en-US" smtClean="0"/>
+              <a:t>Screen </a:t>
+            </a:r>
+            <a:r>
+              <a:rPr lang="en-US" smtClean="0"/>
+              <a:t>shots (</a:t>
+            </a:r>
+            <a:r>
               <a:rPr lang="en-US" dirty="0" smtClean="0"/>
-              <a:t>Screen shots</a:t>
+              <a:t>Customer Login)</a:t>
             </a:r>
             <a:endParaRPr lang="en-US" dirty="0"/>
           </a:p>
@@ -2164,7 +2173,11 @@
           <a:p>
             <a:r>
               <a:rPr lang="en-US" dirty="0" smtClean="0"/>
-              <a:t>Screen shots</a:t>
+              <a:t>Screen </a:t>
+            </a:r>
+            <a:r>
+              <a:rPr lang="en-US" dirty="0" smtClean="0"/>
+              <a:t>shots (Customer Home Page)</a:t>
             </a:r>
             <a:endParaRPr lang="en-US" dirty="0"/>
           </a:p>
@@ -2253,7 +2266,11 @@
           <a:p>
             <a:r>
               <a:rPr lang="en-US" dirty="0" smtClean="0"/>
-              <a:t>Screen shots</a:t>
+              <a:t>Screen </a:t>
+            </a:r>
+            <a:r>
+              <a:rPr lang="en-US" dirty="0" smtClean="0"/>
+              <a:t>shots (Search Policy Details)</a:t>
             </a:r>
             <a:endParaRPr lang="en-US" dirty="0"/>
           </a:p>
@@ -2347,7 +2364,11 @@
           <a:p>
             <a:r>
               <a:rPr lang="en-US" dirty="0" smtClean="0"/>
-              <a:t>Screen shots</a:t>
+              <a:t>Screen </a:t>
+            </a:r>
+            <a:r>
+              <a:rPr lang="en-US" dirty="0" smtClean="0"/>
+              <a:t>shots (View Customer Details)</a:t>
             </a:r>
             <a:endParaRPr lang="en-US" dirty="0"/>
           </a:p>
@@ -2436,7 +2457,11 @@
           <a:p>
             <a:r>
               <a:rPr lang="en-US" dirty="0" smtClean="0"/>
-              <a:t>Screen shots</a:t>
+              <a:t>Screen </a:t>
+            </a:r>
+            <a:r>
+              <a:rPr lang="en-US" dirty="0" smtClean="0"/>
+              <a:t>shots (Update Customer Details)</a:t>
             </a:r>
             <a:endParaRPr lang="en-US" dirty="0"/>
           </a:p>
@@ -2525,7 +2550,11 @@
           <a:p>
             <a:r>
               <a:rPr lang="en-US" dirty="0" smtClean="0"/>
-              <a:t>Screen shots</a:t>
+              <a:t>Screen </a:t>
+            </a:r>
+            <a:r>
+              <a:rPr lang="en-US" dirty="0" smtClean="0"/>
+              <a:t>shots (Document Upload)</a:t>
             </a:r>
             <a:endParaRPr lang="en-US" dirty="0"/>
           </a:p>
@@ -2614,7 +2643,11 @@
           <a:p>
             <a:r>
               <a:rPr lang="en-US" dirty="0" smtClean="0"/>
-              <a:t>Screen shots</a:t>
+              <a:t>Screen </a:t>
+            </a:r>
+            <a:r>
+              <a:rPr lang="en-US" dirty="0" smtClean="0"/>
+              <a:t>shots (Customer Home Page)</a:t>
             </a:r>
             <a:endParaRPr lang="en-US" dirty="0"/>
           </a:p>
@@ -2644,15 +2677,15 @@
         </p:blipFill>
         <p:spPr>
           <a:xfrm>
-            <a:off x="1494350" y="1277988"/>
-            <a:ext cx="8920968" cy="5359333"/>
+            <a:off x="906960" y="1277988"/>
+            <a:ext cx="10392886" cy="5380389"/>
           </a:xfrm>
         </p:spPr>
       </p:pic>
     </p:spTree>
     <p:extLst>
       <p:ext uri="{BB962C8B-B14F-4D97-AF65-F5344CB8AC3E}">
-        <p14:creationId xmlns:p14="http://schemas.microsoft.com/office/powerpoint/2010/main" val="2576731643"/>
+        <p14:creationId xmlns:p14="http://schemas.microsoft.com/office/powerpoint/2010/main" val="1445745055"/>
       </p:ext>
     </p:extLst>
   </p:cSld>
@@ -2703,7 +2736,11 @@
           <a:p>
             <a:r>
               <a:rPr lang="en-US" dirty="0" smtClean="0"/>
-              <a:t>Screen shots</a:t>
+              <a:t>Screen </a:t>
+            </a:r>
+            <a:r>
+              <a:rPr lang="en-US" dirty="0" smtClean="0"/>
+              <a:t>shots (Endorsement Status)</a:t>
             </a:r>
             <a:endParaRPr lang="en-US" dirty="0"/>
           </a:p>
@@ -2711,9 +2748,9 @@
       </p:sp>
       <p:pic>
         <p:nvPicPr>
-          <p:cNvPr id="4" name="Content Placeholder 3"/>
+          <p:cNvPr id="1028" name="Picture 4" descr="https://raw.githubusercontent.com/RashmiWani/Group2-Docs/master/ViewEndoCust.JPG"/>
           <p:cNvPicPr>
-            <a:picLocks noGrp="1" noChangeAspect="1"/>
+            <a:picLocks noGrp="1" noChangeAspect="1" noChangeArrowheads="1"/>
           </p:cNvPicPr>
           <p:nvPr>
             <p:ph idx="1"/>
@@ -2727,21 +2764,35 @@
               </a:ext>
             </a:extLst>
           </a:blip>
+          <a:srcRect/>
           <a:stretch>
             <a:fillRect/>
           </a:stretch>
         </p:blipFill>
-        <p:spPr>
-          <a:xfrm>
-            <a:off x="3341875" y="1277988"/>
-            <a:ext cx="5225917" cy="5406433"/>
-          </a:xfrm>
+        <p:spPr bwMode="auto">
+          <a:xfrm>
+            <a:off x="1041400" y="1277988"/>
+            <a:ext cx="10160000" cy="5431925"/>
+          </a:xfrm>
+          <a:prstGeom prst="rect">
+            <a:avLst/>
+          </a:prstGeom>
+          <a:noFill/>
+          <a:extLst>
+            <a:ext uri="{909E8E84-426E-40DD-AFC4-6F175D3DCCD1}">
+              <a14:hiddenFill xmlns:a14="http://schemas.microsoft.com/office/drawing/2010/main">
+                <a:solidFill>
+                  <a:srgbClr val="FFFFFF"/>
+                </a:solidFill>
+              </a14:hiddenFill>
+            </a:ext>
+          </a:extLst>
         </p:spPr>
       </p:pic>
     </p:spTree>
     <p:extLst>
       <p:ext uri="{BB962C8B-B14F-4D97-AF65-F5344CB8AC3E}">
-        <p14:creationId xmlns:p14="http://schemas.microsoft.com/office/powerpoint/2010/main" val="3299372946"/>
+        <p14:creationId xmlns:p14="http://schemas.microsoft.com/office/powerpoint/2010/main" val="2576731643"/>
       </p:ext>
     </p:extLst>
   </p:cSld>
@@ -3196,7 +3247,11 @@
           <a:p>
             <a:r>
               <a:rPr lang="en-US" dirty="0" smtClean="0"/>
-              <a:t>Screen shots</a:t>
+              <a:t>Screen </a:t>
+            </a:r>
+            <a:r>
+              <a:rPr lang="en-US" dirty="0" smtClean="0"/>
+              <a:t>shots (Admin Login)</a:t>
             </a:r>
             <a:endParaRPr lang="en-US" dirty="0"/>
           </a:p>
@@ -3226,15 +3281,15 @@
         </p:blipFill>
         <p:spPr>
           <a:xfrm>
-            <a:off x="2584154" y="1277988"/>
-            <a:ext cx="6741359" cy="5405019"/>
+            <a:off x="3341875" y="1277988"/>
+            <a:ext cx="5225917" cy="5406433"/>
           </a:xfrm>
         </p:spPr>
       </p:pic>
     </p:spTree>
     <p:extLst>
       <p:ext uri="{BB962C8B-B14F-4D97-AF65-F5344CB8AC3E}">
-        <p14:creationId xmlns:p14="http://schemas.microsoft.com/office/powerpoint/2010/main" val="1514728782"/>
+        <p14:creationId xmlns:p14="http://schemas.microsoft.com/office/powerpoint/2010/main" val="3299372946"/>
       </p:ext>
     </p:extLst>
   </p:cSld>
@@ -3284,9 +3339,14 @@
           <a:lstStyle/>
           <a:p>
             <a:r>
-              <a:rPr lang="en-US" dirty="0"/>
-              <a:t>Screen shots</a:t>
-            </a:r>
+              <a:rPr lang="en-US" dirty="0" smtClean="0"/>
+              <a:t>Screen </a:t>
+            </a:r>
+            <a:r>
+              <a:rPr lang="en-US" dirty="0" smtClean="0"/>
+              <a:t>shots (Admin Home Page)</a:t>
+            </a:r>
+            <a:endParaRPr lang="en-US" dirty="0"/>
           </a:p>
         </p:txBody>
       </p:sp>
@@ -3314,21 +3374,28 @@
         </p:blipFill>
         <p:spPr>
           <a:xfrm>
-            <a:off x="2529273" y="1277988"/>
-            <a:ext cx="6851121" cy="5446911"/>
+            <a:off x="2584154" y="1277988"/>
+            <a:ext cx="6741359" cy="5405019"/>
           </a:xfrm>
         </p:spPr>
       </p:pic>
     </p:spTree>
     <p:extLst>
       <p:ext uri="{BB962C8B-B14F-4D97-AF65-F5344CB8AC3E}">
-        <p14:creationId xmlns:p14="http://schemas.microsoft.com/office/powerpoint/2010/main" val="2656229916"/>
+        <p14:creationId xmlns:p14="http://schemas.microsoft.com/office/powerpoint/2010/main" val="1514728782"/>
       </p:ext>
     </p:extLst>
   </p:cSld>
   <p:clrMapOvr>
     <a:masterClrMapping/>
   </p:clrMapOvr>
+  <p:timing>
+    <p:tnLst>
+      <p:par>
+        <p:cTn id="1" dur="indefinite" restart="never" nodeType="tmRoot"/>
+      </p:par>
+    </p:tnLst>
+  </p:timing>
 </p:sld>
 </file>
 
@@ -3366,8 +3433,13 @@
           <a:p>
             <a:r>
               <a:rPr lang="en-US" dirty="0"/>
-              <a:t>Screen shots</a:t>
-            </a:r>
+              <a:t>Screen </a:t>
+            </a:r>
+            <a:r>
+              <a:rPr lang="en-US" dirty="0" smtClean="0"/>
+              <a:t>shots (View Endorsement Request)</a:t>
+            </a:r>
+            <a:endParaRPr lang="en-US" dirty="0"/>
           </a:p>
         </p:txBody>
       </p:sp>
@@ -3382,25 +3454,28 @@
           </p:nvPr>
         </p:nvPicPr>
         <p:blipFill>
-          <a:blip r:embed="rId2"/>
+          <a:blip r:embed="rId2">
+            <a:extLst>
+              <a:ext uri="{28A0092B-C50C-407E-A947-70E740481C1C}">
+                <a14:useLocalDpi xmlns:a14="http://schemas.microsoft.com/office/drawing/2010/main" val="0"/>
+              </a:ext>
+            </a:extLst>
+          </a:blip>
           <a:stretch>
             <a:fillRect/>
           </a:stretch>
         </p:blipFill>
         <p:spPr>
           <a:xfrm>
-            <a:off x="1345012" y="1277988"/>
-            <a:ext cx="9219644" cy="5254883"/>
-          </a:xfrm>
-          <a:prstGeom prst="rect">
-            <a:avLst/>
-          </a:prstGeom>
+            <a:off x="2529273" y="1277988"/>
+            <a:ext cx="6851121" cy="5446911"/>
+          </a:xfrm>
         </p:spPr>
       </p:pic>
     </p:spTree>
     <p:extLst>
       <p:ext uri="{BB962C8B-B14F-4D97-AF65-F5344CB8AC3E}">
-        <p14:creationId xmlns:p14="http://schemas.microsoft.com/office/powerpoint/2010/main" val="224108511"/>
+        <p14:creationId xmlns:p14="http://schemas.microsoft.com/office/powerpoint/2010/main" val="2656229916"/>
       </p:ext>
     </p:extLst>
   </p:cSld>
@@ -3443,6 +3518,89 @@
           <a:lstStyle/>
           <a:p>
             <a:r>
+              <a:rPr lang="en-US" dirty="0"/>
+              <a:t>Screen </a:t>
+            </a:r>
+            <a:r>
+              <a:rPr lang="en-US" dirty="0" smtClean="0"/>
+              <a:t>shots (View Uploaded Document)</a:t>
+            </a:r>
+            <a:endParaRPr lang="en-US" dirty="0"/>
+          </a:p>
+        </p:txBody>
+      </p:sp>
+      <p:pic>
+        <p:nvPicPr>
+          <p:cNvPr id="4" name="Content Placeholder 3"/>
+          <p:cNvPicPr>
+            <a:picLocks noGrp="1" noChangeAspect="1"/>
+          </p:cNvPicPr>
+          <p:nvPr>
+            <p:ph idx="1"/>
+          </p:nvPr>
+        </p:nvPicPr>
+        <p:blipFill>
+          <a:blip r:embed="rId2"/>
+          <a:stretch>
+            <a:fillRect/>
+          </a:stretch>
+        </p:blipFill>
+        <p:spPr>
+          <a:xfrm>
+            <a:off x="1345012" y="1277988"/>
+            <a:ext cx="9219644" cy="5254883"/>
+          </a:xfrm>
+          <a:prstGeom prst="rect">
+            <a:avLst/>
+          </a:prstGeom>
+        </p:spPr>
+      </p:pic>
+    </p:spTree>
+    <p:extLst>
+      <p:ext uri="{BB962C8B-B14F-4D97-AF65-F5344CB8AC3E}">
+        <p14:creationId xmlns:p14="http://schemas.microsoft.com/office/powerpoint/2010/main" val="224108511"/>
+      </p:ext>
+    </p:extLst>
+  </p:cSld>
+  <p:clrMapOvr>
+    <a:masterClrMapping/>
+  </p:clrMapOvr>
+</p:sld>
+</file>
+
+<file path=ppt/slides/slide24.xml><?xml version="1.0" encoding="utf-8"?>
+<p:sld xmlns:a="http://schemas.openxmlformats.org/drawingml/2006/main" xmlns:r="http://schemas.openxmlformats.org/officeDocument/2006/relationships" xmlns:p="http://schemas.openxmlformats.org/presentationml/2006/main">
+  <p:cSld>
+    <p:spTree>
+      <p:nvGrpSpPr>
+        <p:cNvPr id="1" name=""/>
+        <p:cNvGrpSpPr/>
+        <p:nvPr/>
+      </p:nvGrpSpPr>
+      <p:grpSpPr>
+        <a:xfrm>
+          <a:off x="0" y="0"/>
+          <a:ext cx="0" cy="0"/>
+          <a:chOff x="0" y="0"/>
+          <a:chExt cx="0" cy="0"/>
+        </a:xfrm>
+      </p:grpSpPr>
+      <p:sp>
+        <p:nvSpPr>
+          <p:cNvPr id="2" name="Title 1"/>
+          <p:cNvSpPr>
+            <a:spLocks noGrp="1"/>
+          </p:cNvSpPr>
+          <p:nvPr>
+            <p:ph type="title"/>
+          </p:nvPr>
+        </p:nvSpPr>
+        <p:spPr/>
+        <p:txBody>
+          <a:bodyPr/>
+          <a:lstStyle/>
+          <a:p>
+            <a:r>
               <a:rPr lang="en-US" dirty="0" smtClean="0"/>
               <a:t>Future Enhancements</a:t>
             </a:r>
@@ -3473,19 +3631,11 @@
             </a:r>
             <a:r>
               <a:rPr lang="en-US" sz="1400" smtClean="0"/>
-              <a:t>purpose </a:t>
-            </a:r>
-            <a:r>
-              <a:rPr lang="en-US" sz="1400" smtClean="0"/>
-              <a:t>we </a:t>
+              <a:t>purpose we </a:t>
             </a:r>
             <a:r>
               <a:rPr lang="en-US" sz="1400" dirty="0" smtClean="0"/>
-              <a:t>can add some other functionalities in the application, such as</a:t>
-            </a:r>
-            <a:r>
-              <a:rPr lang="en-US" sz="1400" dirty="0" smtClean="0"/>
-              <a:t>:</a:t>
+              <a:t>can add some other functionalities in the application, such as:</a:t>
             </a:r>
           </a:p>
           <a:p>
@@ -3518,11 +3668,7 @@
             </a:pPr>
             <a:r>
               <a:rPr lang="en-US" sz="1400" dirty="0" smtClean="0"/>
-              <a:t>Customer can </a:t>
-            </a:r>
-            <a:r>
-              <a:rPr lang="en-US" sz="1400" dirty="0" smtClean="0"/>
-              <a:t>get notification about their premium frequency.</a:t>
+              <a:t>Customer can get notification about their premium frequency.</a:t>
             </a:r>
           </a:p>
           <a:p>
@@ -3575,7 +3721,7 @@
 </p:sld>
 </file>
 
-<file path=ppt/slides/slide24.xml><?xml version="1.0" encoding="utf-8"?>
+<file path=ppt/slides/slide25.xml><?xml version="1.0" encoding="utf-8"?>
 <p:sld xmlns:a="http://schemas.openxmlformats.org/drawingml/2006/main" xmlns:r="http://schemas.openxmlformats.org/officeDocument/2006/relationships" xmlns:p="http://schemas.openxmlformats.org/presentationml/2006/main">
   <p:cSld>
     <p:spTree>
